--- a/Cryptology_계획서.pptx
+++ b/Cryptology_계획서.pptx
@@ -7117,7 +7117,7 @@
             </a:r>
             <a:r>
               <a:rPr lang="ko-KR" altLang="en-US"/>
-              <a:t> 비게네르 암호</a:t>
+              <a:t> 비제네르 암호</a:t>
             </a:r>
             <a:endParaRPr lang="ko-KR" altLang="en-US"/>
           </a:p>

--- a/Cryptology_계획서.pptx
+++ b/Cryptology_계획서.pptx
@@ -7310,7 +7310,7 @@
             </a:pPr>
             <a:r>
               <a:rPr lang="ko-KR" altLang="en-US"/>
-              <a:t>비게네르 암호 작동 방식</a:t>
+              <a:t>비제네르 암호 작동 방식</a:t>
             </a:r>
             <a:endParaRPr lang="ko-KR" altLang="en-US"/>
           </a:p>

--- a/Cryptology_계획서.pptx
+++ b/Cryptology_계획서.pptx
@@ -13,6 +13,7 @@
     <p:sldId id="261" r:id="rId7"/>
     <p:sldId id="262" r:id="rId8"/>
     <p:sldId id="263" r:id="rId9"/>
+    <p:sldId id="264" r:id="rId10"/>
   </p:sldIdLst>
   <p:sldSz cx="9144000" cy="6858000" type="screen4x3"/>
   <p:notesSz cx="6858000" cy="9144000"/>
@@ -13470,6 +13471,126 @@
 </p:sld>
 </file>
 
+<file path=ppt/slides/slide9.xml><?xml version="1.0" encoding="utf-8"?>
+<p:sld xmlns:r="http://schemas.openxmlformats.org/officeDocument/2006/relationships" xmlns:c="http://schemas.openxmlformats.org/drawingml/2006/chart" xmlns:a="http://schemas.openxmlformats.org/drawingml/2006/main" xmlns:dgm="http://schemas.openxmlformats.org/drawingml/2006/diagram" xmlns:dsp="http://schemas.microsoft.com/office/drawing/2008/diagram" xmlns:p="http://schemas.openxmlformats.org/presentationml/2006/main">
+  <p:cSld>
+    <p:spTree>
+      <p:nvGrpSpPr>
+        <p:cNvPr id="1" name=""/>
+        <p:cNvGrpSpPr/>
+        <p:nvPr/>
+      </p:nvGrpSpPr>
+      <p:grpSpPr>
+        <a:xfrm>
+          <a:off x="0" y="0"/>
+          <a:ext cx="0" cy="0"/>
+          <a:chOff x="0" y="0"/>
+          <a:chExt cx="0" cy="0"/>
+        </a:xfrm>
+      </p:grpSpPr>
+      <p:sp>
+        <p:nvSpPr>
+          <p:cNvPr id="2" name="제목 1"/>
+          <p:cNvSpPr>
+            <a:spLocks noGrp="1"/>
+          </p:cNvSpPr>
+          <p:nvPr>
+            <p:ph type="title" idx="0"/>
+          </p:nvPr>
+        </p:nvSpPr>
+        <p:spPr/>
+        <p:txBody>
+          <a:bodyPr/>
+          <a:p>
+            <a:pPr>
+              <a:defRPr/>
+            </a:pPr>
+            <a:r>
+              <a:rPr lang="ko-KR" altLang="en-US"/>
+              <a:t/>
+            </a:r>
+            <a:endParaRPr lang="ko-KR" altLang="en-US"/>
+          </a:p>
+        </p:txBody>
+      </p:sp>
+      <p:sp>
+        <p:nvSpPr>
+          <p:cNvPr id="3" name="내용 개체 틀 2"/>
+          <p:cNvSpPr>
+            <a:spLocks noGrp="1"/>
+          </p:cNvSpPr>
+          <p:nvPr>
+            <p:ph idx="1"/>
+          </p:nvPr>
+        </p:nvSpPr>
+        <p:spPr/>
+        <p:txBody>
+          <a:bodyPr/>
+          <a:p>
+            <a:pPr>
+              <a:defRPr/>
+            </a:pPr>
+            <a:r>
+              <a:rPr lang="ko-KR" altLang="en-US"/>
+              <a:t>스팀에 출시 취소 </a:t>
+            </a:r>
+            <a:r>
+              <a:rPr lang="en-US" altLang="ko-KR"/>
+              <a:t>(steamwoks</a:t>
+            </a:r>
+            <a:r>
+              <a:rPr lang="ko-KR" altLang="en-US"/>
+              <a:t>에 가입할려했는데 중간에 실수가 있었는지 안됨</a:t>
+            </a:r>
+            <a:r>
+              <a:rPr lang="en-US" altLang="ko-KR"/>
+              <a:t>)</a:t>
+            </a:r>
+            <a:endParaRPr lang="en-US" altLang="ko-KR"/>
+          </a:p>
+          <a:p>
+            <a:pPr>
+              <a:defRPr/>
+            </a:pPr>
+            <a:r>
+              <a:rPr lang="ko-KR" altLang="en-US"/>
+              <a:t>대신 </a:t>
+            </a:r>
+            <a:r>
+              <a:rPr lang="en-US" altLang="ko-KR">
+                <a:hlinkClick r:id="rId2"/>
+              </a:rPr>
+              <a:t>https://itch.io</a:t>
+            </a:r>
+            <a:r>
+              <a:rPr lang="ko-KR" altLang="en-US"/>
+              <a:t>에 업로드</a:t>
+            </a:r>
+            <a:endParaRPr lang="ko-KR" altLang="en-US"/>
+          </a:p>
+        </p:txBody>
+      </p:sp>
+    </p:spTree>
+    <p:extLst>
+      <p:ext uri="{BB962C8B-B14F-4D97-AF65-F5344CB8AC3E}">
+        <p14:creationId xmlns:p14="http://schemas.microsoft.com/office/powerpoint/2010/main" val="251792125"/>
+      </p:ext>
+    </p:extLst>
+  </p:cSld>
+  <p:clrMapOvr>
+    <a:masterClrMapping/>
+  </p:clrMapOvr>
+  <mc:AlternateContent xmlns:mc="http://schemas.openxmlformats.org/markup-compatibility/2006">
+    <mc:Choice xmlns:p14="http://schemas.microsoft.com/office/powerpoint/2010/main" Requires="p14">
+      <p:transition xmlns:mc="http://schemas.openxmlformats.org/markup-compatibility/2006" xmlns:p14="http://schemas.microsoft.com/office/powerpoint/2010/main" mc:Ignorable="p14" p14:dur="500"/>
+    </mc:Choice>
+    <mc:Fallback>
+      <p:transition/>
+    </mc:Fallback>
+  </mc:AlternateContent>
+</p:sld>
+</file>
+
 <file path=ppt/theme/theme1.xml><?xml version="1.0" encoding="utf-8"?>
 <a:theme xmlns:r="http://schemas.openxmlformats.org/officeDocument/2006/relationships" xmlns:c="http://schemas.openxmlformats.org/drawingml/2006/chart" xmlns:dgm="http://schemas.openxmlformats.org/drawingml/2006/diagram" xmlns:dsp="http://schemas.microsoft.com/office/drawing/2008/diagram" xmlns:a="http://schemas.openxmlformats.org/drawingml/2006/main" xmlns:pic="http://schemas.openxmlformats.org/drawingml/2006/picture" xmlns:wp="http://schemas.openxmlformats.org/drawingml/2006/wordprocessingDrawing" xmlns:xdr="http://schemas.openxmlformats.org/drawingml/2006/spreadsheetDrawing" xmlns:lc="http://schemas.openxmlformats.org/drawingml/2006/lockedCanvas" xmlns:p="http://schemas.openxmlformats.org/presentationml/2006/main" name="칠판">
   <a:themeElements>
